--- a/pptx/modified_presentation.pptx
+++ b/pptx/modified_presentation.pptx
@@ -3173,7 +3173,7 @@
             </a:r>
           </a:p>
           <a:p>
-            <a:pPr lvl="1">
+            <a:pPr>
               <a:defRPr>
                 <a:solidFill>
                   <a:srgbClr val="FFFFFF"/>
@@ -3185,7 +3185,7 @@
             </a:r>
           </a:p>
           <a:p>
-            <a:pPr lvl="2">
+            <a:pPr>
               <a:defRPr>
                 <a:solidFill>
                   <a:srgbClr val="FFFFFF"/>
@@ -3197,7 +3197,7 @@
             </a:r>
           </a:p>
           <a:p>
-            <a:pPr lvl="3">
+            <a:pPr>
               <a:defRPr>
                 <a:solidFill>
                   <a:srgbClr val="FFFFFF"/>
@@ -3230,6 +3230,77 @@
       <p:sp>
         <p:nvSpPr>
           <p:cNvPr id="5" name="TextBox"/>
+          <p:cNvSpPr txBox="1">
+            <a:spLocks noGrp="1" noSelect="1" noRot="1" noMove="1"/>
+          </p:cNvSpPr>
+          <p:nvPr/>
+        </p:nvSpPr>
+        <p:spPr>
+          <a:xfrm>
+            <a:off x="1366520" y="2644140"/>
+            <a:ext cx="6411372" cy="1569660"/>
+          </a:xfrm>
+          <a:prstGeom prst="rect">
+            <a:avLst/>
+          </a:prstGeom>
+          <a:noFill/>
+        </p:spPr>
+        <p:txBody>
+          <a:bodyPr wrap="none" rtlCol="0" anchor="ctr" anchorCtr="1">
+            <a:spAutoFit/>
+          </a:bodyPr>
+          <a:lstStyle>
+            <a:lvl1pPr algn="l">
+              <a:lnSpc>
+                <a:spcPct val="150000"/>
+              </a:lnSpc>
+              <a:spcBef>
+                <a:spcPct val="0"/>
+              </a:spcBef>
+              <a:spcAft>
+                <a:spcPct val="0"/>
+              </a:spcAft>
+              <a:defRPr lang="en-US" sz="3200" b="1" noProof="1">
+                <a:solidFill>
+                  <a:prstClr val="red">
+                    <a:lumOff val="30000"/>
+                    <a:alpha val="40000"/>
+                  </a:prstClr>
+                </a:solidFill>
+                <a:effectLst>
+                  <a:outerShdw blurRad="50800" dist="38100" algn="tr" rotWithShape="0">
+                    <a:prstClr val="black">
+                      <a:alpha val="80000"/>
+                    </a:prstClr>
+                  </a:outerShdw>
+                </a:effectLst>
+                <a:latin typeface="Calibri" pitchFamily="34" charset="0"/>
+              </a:defRPr>
+            </a:lvl1pPr>
+          </a:lstStyle>
+          <a:p>
+            <a:pPr algn="ctr"/>
+            <a:r>
+              <a:t/>
+            </a:r>
+          </a:p>
+          <a:p>
+            <a:pPr algn="ctr"/>
+            <a:r>
+              <a:t/>
+            </a:r>
+          </a:p>
+          <a:p>
+            <a:pPr algn="ctr"/>
+            <a:r>
+              <a:t/>
+            </a:r>
+          </a:p>
+        </p:txBody>
+      </p:sp>
+      <p:sp>
+        <p:nvSpPr>
+          <p:cNvPr id="6" name="TextBox"/>
           <p:cNvSpPr txBox="1">
             <a:spLocks noGrp="1" noSelect="1" noRot="1" noMove="1"/>
           </p:cNvSpPr>
@@ -3303,19 +3374,142 @@
   <p:clrMapOvr>
     <a:masterClrMapping/>
   </p:clrMapOvr>
-  <mc:AlternateContent>
-    <mc:Choice xmlns:p14="http://schemas.microsoft.com/office/powerpoint/2010/main" Requires="p14">
-      <p:transition spd="slow" p14:dur="800">
-        <p:circle/>
-      </p:transition>
-    </mc:Choice>
-    <mc:Fallback>
-      <p:transition spd="slow">
-        <p:circle/>
-      </p:transition>
-    </mc:Fallback>
-  </mc:AlternateContent>
-  <p:timing/>
+  <p:transition>
+    <p:comb/>
+  </p:transition>
+  <p:timing>
+    <p:tnLst>
+      <p:par>
+        <p:cTn id="1" dur="indefinite" restart="never" nodeType="tmRoot">
+          <p:childTnLst>
+            <p:seq concurrent="1" nextAc="seek">
+              <p:cTn id="2" dur="indefinite" nodeType="mainSeq">
+                <p:childTnLst>
+                  <p:par>
+                    <p:cTn id="3" fill="hold" nodeType="clickPar">
+                      <p:stCondLst>
+                        <p:cond delay="indefinite"/>
+                      </p:stCondLst>
+                      <p:childTnLst>
+                        <p:par>
+                          <p:cTn id="4" fill="hold" nodeType="afterGroup">
+                            <p:stCondLst>
+                              <p:cond delay="0"/>
+                            </p:stCondLst>
+                            <p:childTnLst>
+                              <p:par>
+                                <p:cTn id="5" presetID="2" presetClass="entr" presetSubtype="8" fill="hold" grpId="1" nodeType="clickEffect">
+                                  <p:stCondLst>
+                                    <p:cond delay="0"/>
+                                  </p:stCondLst>
+                                  <p:childTnLst>
+                                    <p:set>
+                                      <p:cBhvr>
+                                        <p:cTn id="6" dur="1" fill="hold">
+                                          <p:stCondLst>
+                                            <p:cond delay="0"/>
+                                          </p:stCondLst>
+                                        </p:cTn>
+                                        <p:tgtEl>
+                                          <p:spTgt spid="3">
+                                            <p:txEl>
+                                              <p:pRg st="0" end="0"/>
+                                            </p:txEl>
+                                          </p:spTgt>
+                                        </p:tgtEl>
+                                        <p:attrNameLst>
+                                          <p:attrName>style.visibility</p:attrName>
+                                        </p:attrNameLst>
+                                      </p:cBhvr>
+                                      <p:to>
+                                        <p:strVal val="visible"/>
+                                      </p:to>
+                                    </p:set>
+                                    <p:anim calcmode="lin" valueType="num">
+                                      <p:cBhvr additive="base">
+                                        <p:cTn id="7" dur="500" fill="hold"/>
+                                        <p:tgtEl>
+                                          <p:spTgt spid="3">
+                                            <p:txEl>
+                                              <p:pRg st="0" end="0"/>
+                                            </p:txEl>
+                                          </p:spTgt>
+                                        </p:tgtEl>
+                                        <p:attrNameLst>
+                                          <p:attrName>ppt_x</p:attrName>
+                                        </p:attrNameLst>
+                                      </p:cBhvr>
+                                      <p:tavLst>
+                                        <p:tav tm="0">
+                                          <p:val>
+                                            <p:strVal val="0-#ppt_w/2"/>
+                                          </p:val>
+                                        </p:tav>
+                                        <p:tav tm="100000">
+                                          <p:val>
+                                            <p:strVal val="#ppt_x"/>
+                                          </p:val>
+                                        </p:tav>
+                                      </p:tavLst>
+                                    </p:anim>
+                                    <p:anim calcmode="lin" valueType="num">
+                                      <p:cBhvr additive="base">
+                                        <p:cTn id="8" dur="500" fill="hold"/>
+                                        <p:tgtEl>
+                                          <p:spTgt spid="3">
+                                            <p:txEl>
+                                              <p:pRg st="0" end="0"/>
+                                            </p:txEl>
+                                          </p:spTgt>
+                                        </p:tgtEl>
+                                        <p:attrNameLst>
+                                          <p:attrName>ppt_y</p:attrName>
+                                        </p:attrNameLst>
+                                      </p:cBhvr>
+                                      <p:tavLst>
+                                        <p:tav tm="0">
+                                          <p:val>
+                                            <p:strVal val="#ppt_y"/>
+                                          </p:val>
+                                        </p:tav>
+                                        <p:tav tm="100000">
+                                          <p:val>
+                                            <p:strVal val="#ppt_y"/>
+                                          </p:val>
+                                        </p:tav>
+                                      </p:tavLst>
+                                    </p:anim>
+                                  </p:childTnLst>
+                                </p:cTn>
+                              </p:par>
+                            </p:childTnLst>
+                          </p:cTn>
+                        </p:par>
+                      </p:childTnLst>
+                    </p:cTn>
+                  </p:par>
+                </p:childTnLst>
+              </p:cTn>
+              <p:prevCondLst>
+                <p:cond evt="onPrev" delay="0">
+                  <p:tgtEl>
+                    <p:sldTgt/>
+                  </p:tgtEl>
+                </p:cond>
+              </p:prevCondLst>
+              <p:nextCondLst>
+                <p:cond evt="onNext" delay="0">
+                  <p:tgtEl>
+                    <p:sldTgt/>
+                  </p:tgtEl>
+                </p:cond>
+              </p:nextCondLst>
+            </p:seq>
+          </p:childTnLst>
+        </p:cTn>
+      </p:par>
+    </p:tnLst>
+  </p:timing>
 </p:sld>
 </file>
 
@@ -3402,7 +3596,7 @@
             </a:r>
           </a:p>
           <a:p>
-            <a:pPr lvl="1">
+            <a:pPr>
               <a:defRPr>
                 <a:solidFill>
                   <a:srgbClr val="FFFFFF"/>
@@ -3414,7 +3608,7 @@
             </a:r>
           </a:p>
           <a:p>
-            <a:pPr lvl="2">
+            <a:pPr>
               <a:defRPr>
                 <a:solidFill>
                   <a:srgbClr val="FFFFFF"/>
@@ -3426,7 +3620,7 @@
             </a:r>
           </a:p>
           <a:p>
-            <a:pPr lvl="3">
+            <a:pPr>
               <a:defRPr>
                 <a:solidFill>
                   <a:srgbClr val="FFFFFF"/>
@@ -3459,6 +3653,77 @@
       <p:sp>
         <p:nvSpPr>
           <p:cNvPr id="5" name="TextBox"/>
+          <p:cNvSpPr txBox="1">
+            <a:spLocks noGrp="1" noSelect="1" noRot="1" noMove="1"/>
+          </p:cNvSpPr>
+          <p:nvPr/>
+        </p:nvSpPr>
+        <p:spPr>
+          <a:xfrm>
+            <a:off x="1366520" y="2644140"/>
+            <a:ext cx="6411372" cy="1569660"/>
+          </a:xfrm>
+          <a:prstGeom prst="rect">
+            <a:avLst/>
+          </a:prstGeom>
+          <a:noFill/>
+        </p:spPr>
+        <p:txBody>
+          <a:bodyPr wrap="none" rtlCol="0" anchor="ctr" anchorCtr="1">
+            <a:spAutoFit/>
+          </a:bodyPr>
+          <a:lstStyle>
+            <a:lvl1pPr algn="l">
+              <a:lnSpc>
+                <a:spcPct val="150000"/>
+              </a:lnSpc>
+              <a:spcBef>
+                <a:spcPct val="0"/>
+              </a:spcBef>
+              <a:spcAft>
+                <a:spcPct val="0"/>
+              </a:spcAft>
+              <a:defRPr lang="en-US" sz="3200" b="1" noProof="1">
+                <a:solidFill>
+                  <a:prstClr val="red">
+                    <a:lumOff val="30000"/>
+                    <a:alpha val="40000"/>
+                  </a:prstClr>
+                </a:solidFill>
+                <a:effectLst>
+                  <a:outerShdw blurRad="50800" dist="38100" algn="tr" rotWithShape="0">
+                    <a:prstClr val="black">
+                      <a:alpha val="80000"/>
+                    </a:prstClr>
+                  </a:outerShdw>
+                </a:effectLst>
+                <a:latin typeface="Calibri" pitchFamily="34" charset="0"/>
+              </a:defRPr>
+            </a:lvl1pPr>
+          </a:lstStyle>
+          <a:p>
+            <a:pPr algn="ctr"/>
+            <a:r>
+              <a:t/>
+            </a:r>
+          </a:p>
+          <a:p>
+            <a:pPr algn="ctr"/>
+            <a:r>
+              <a:t/>
+            </a:r>
+          </a:p>
+          <a:p>
+            <a:pPr algn="ctr"/>
+            <a:r>
+              <a:t/>
+            </a:r>
+          </a:p>
+        </p:txBody>
+      </p:sp>
+      <p:sp>
+        <p:nvSpPr>
+          <p:cNvPr id="6" name="TextBox"/>
           <p:cNvSpPr txBox="1">
             <a:spLocks noGrp="1" noSelect="1" noRot="1" noMove="1"/>
           </p:cNvSpPr>
@@ -3532,7 +3797,9 @@
   <p:clrMapOvr>
     <a:masterClrMapping/>
   </p:clrMapOvr>
-  <p:transition/>
+  <p:transition>
+    <p:comb/>
+  </p:transition>
   <p:timing/>
 </p:sld>
 </file>
@@ -3620,7 +3887,7 @@
             </a:r>
           </a:p>
           <a:p>
-            <a:pPr lvl="1">
+            <a:pPr>
               <a:defRPr>
                 <a:solidFill>
                   <a:srgbClr val="FFFFFF"/>
@@ -3632,7 +3899,7 @@
             </a:r>
           </a:p>
           <a:p>
-            <a:pPr lvl="2">
+            <a:pPr>
               <a:defRPr>
                 <a:solidFill>
                   <a:srgbClr val="FFFFFF"/>
@@ -3644,7 +3911,7 @@
             </a:r>
           </a:p>
           <a:p>
-            <a:pPr lvl="3">
+            <a:pPr>
               <a:defRPr>
                 <a:solidFill>
                   <a:srgbClr val="FFFFFF"/>
@@ -3677,6 +3944,77 @@
       <p:sp>
         <p:nvSpPr>
           <p:cNvPr id="5" name="TextBox"/>
+          <p:cNvSpPr txBox="1">
+            <a:spLocks noGrp="1" noSelect="1" noRot="1" noMove="1"/>
+          </p:cNvSpPr>
+          <p:nvPr/>
+        </p:nvSpPr>
+        <p:spPr>
+          <a:xfrm>
+            <a:off x="1366520" y="2644140"/>
+            <a:ext cx="6411372" cy="1569660"/>
+          </a:xfrm>
+          <a:prstGeom prst="rect">
+            <a:avLst/>
+          </a:prstGeom>
+          <a:noFill/>
+        </p:spPr>
+        <p:txBody>
+          <a:bodyPr wrap="none" rtlCol="0" anchor="ctr" anchorCtr="1">
+            <a:spAutoFit/>
+          </a:bodyPr>
+          <a:lstStyle>
+            <a:lvl1pPr algn="l">
+              <a:lnSpc>
+                <a:spcPct val="150000"/>
+              </a:lnSpc>
+              <a:spcBef>
+                <a:spcPct val="0"/>
+              </a:spcBef>
+              <a:spcAft>
+                <a:spcPct val="0"/>
+              </a:spcAft>
+              <a:defRPr lang="en-US" sz="3200" b="1" noProof="1">
+                <a:solidFill>
+                  <a:prstClr val="red">
+                    <a:lumOff val="30000"/>
+                    <a:alpha val="40000"/>
+                  </a:prstClr>
+                </a:solidFill>
+                <a:effectLst>
+                  <a:outerShdw blurRad="50800" dist="38100" algn="tr" rotWithShape="0">
+                    <a:prstClr val="black">
+                      <a:alpha val="80000"/>
+                    </a:prstClr>
+                  </a:outerShdw>
+                </a:effectLst>
+                <a:latin typeface="Calibri" pitchFamily="34" charset="0"/>
+              </a:defRPr>
+            </a:lvl1pPr>
+          </a:lstStyle>
+          <a:p>
+            <a:pPr algn="ctr"/>
+            <a:r>
+              <a:t/>
+            </a:r>
+          </a:p>
+          <a:p>
+            <a:pPr algn="ctr"/>
+            <a:r>
+              <a:t/>
+            </a:r>
+          </a:p>
+          <a:p>
+            <a:pPr algn="ctr"/>
+            <a:r>
+              <a:t/>
+            </a:r>
+          </a:p>
+        </p:txBody>
+      </p:sp>
+      <p:sp>
+        <p:nvSpPr>
+          <p:cNvPr id="6" name="TextBox"/>
           <p:cNvSpPr txBox="1">
             <a:spLocks noGrp="1" noSelect="1" noRot="1" noMove="1"/>
           </p:cNvSpPr>
@@ -3840,7 +4178,7 @@
             </a:r>
           </a:p>
           <a:p>
-            <a:pPr lvl="1">
+            <a:pPr>
               <a:defRPr>
                 <a:solidFill>
                   <a:srgbClr val="FFFFFF"/>
@@ -3852,7 +4190,7 @@
             </a:r>
           </a:p>
           <a:p>
-            <a:pPr lvl="2">
+            <a:pPr>
               <a:defRPr>
                 <a:solidFill>
                   <a:srgbClr val="FFFFFF"/>
@@ -3864,7 +4202,7 @@
             </a:r>
           </a:p>
           <a:p>
-            <a:pPr lvl="3">
+            <a:pPr>
               <a:defRPr>
                 <a:solidFill>
                   <a:srgbClr val="FFFFFF"/>
@@ -3897,6 +4235,77 @@
       <p:sp>
         <p:nvSpPr>
           <p:cNvPr id="5" name="TextBox"/>
+          <p:cNvSpPr txBox="1">
+            <a:spLocks noGrp="1" noSelect="1" noRot="1" noMove="1"/>
+          </p:cNvSpPr>
+          <p:nvPr/>
+        </p:nvSpPr>
+        <p:spPr>
+          <a:xfrm>
+            <a:off x="1366520" y="2644140"/>
+            <a:ext cx="6411372" cy="1569660"/>
+          </a:xfrm>
+          <a:prstGeom prst="rect">
+            <a:avLst/>
+          </a:prstGeom>
+          <a:noFill/>
+        </p:spPr>
+        <p:txBody>
+          <a:bodyPr wrap="none" rtlCol="0" anchor="ctr" anchorCtr="1">
+            <a:spAutoFit/>
+          </a:bodyPr>
+          <a:lstStyle>
+            <a:lvl1pPr algn="l">
+              <a:lnSpc>
+                <a:spcPct val="150000"/>
+              </a:lnSpc>
+              <a:spcBef>
+                <a:spcPct val="0"/>
+              </a:spcBef>
+              <a:spcAft>
+                <a:spcPct val="0"/>
+              </a:spcAft>
+              <a:defRPr lang="en-US" sz="3200" b="1" noProof="1">
+                <a:solidFill>
+                  <a:prstClr val="red">
+                    <a:lumOff val="30000"/>
+                    <a:alpha val="40000"/>
+                  </a:prstClr>
+                </a:solidFill>
+                <a:effectLst>
+                  <a:outerShdw blurRad="50800" dist="38100" algn="tr" rotWithShape="0">
+                    <a:prstClr val="black">
+                      <a:alpha val="80000"/>
+                    </a:prstClr>
+                  </a:outerShdw>
+                </a:effectLst>
+                <a:latin typeface="Calibri" pitchFamily="34" charset="0"/>
+              </a:defRPr>
+            </a:lvl1pPr>
+          </a:lstStyle>
+          <a:p>
+            <a:pPr algn="ctr"/>
+            <a:r>
+              <a:t/>
+            </a:r>
+          </a:p>
+          <a:p>
+            <a:pPr algn="ctr"/>
+            <a:r>
+              <a:t/>
+            </a:r>
+          </a:p>
+          <a:p>
+            <a:pPr algn="ctr"/>
+            <a:r>
+              <a:t/>
+            </a:r>
+          </a:p>
+        </p:txBody>
+      </p:sp>
+      <p:sp>
+        <p:nvSpPr>
+          <p:cNvPr id="6" name="TextBox"/>
           <p:cNvSpPr txBox="1">
             <a:spLocks noGrp="1" noSelect="1" noRot="1" noMove="1"/>
           </p:cNvSpPr>
@@ -3970,7 +4379,9 @@
   <p:clrMapOvr>
     <a:masterClrMapping/>
   </p:clrMapOvr>
-  <p:transition/>
+  <p:transition>
+    <p:comb/>
+  </p:transition>
   <p:timing/>
 </p:sld>
 </file>
@@ -4058,7 +4469,7 @@
             </a:r>
           </a:p>
           <a:p>
-            <a:pPr lvl="1">
+            <a:pPr>
               <a:defRPr>
                 <a:solidFill>
                   <a:srgbClr val="FFFFFF"/>
@@ -4070,7 +4481,7 @@
             </a:r>
           </a:p>
           <a:p>
-            <a:pPr lvl="2">
+            <a:pPr>
               <a:defRPr>
                 <a:solidFill>
                   <a:srgbClr val="FFFFFF"/>
@@ -4082,7 +4493,7 @@
             </a:r>
           </a:p>
           <a:p>
-            <a:pPr lvl="3">
+            <a:pPr>
               <a:defRPr>
                 <a:solidFill>
                   <a:srgbClr val="FFFFFF"/>
@@ -4115,6 +4526,77 @@
       <p:sp>
         <p:nvSpPr>
           <p:cNvPr id="5" name="TextBox"/>
+          <p:cNvSpPr txBox="1">
+            <a:spLocks noGrp="1" noSelect="1" noRot="1" noMove="1"/>
+          </p:cNvSpPr>
+          <p:nvPr/>
+        </p:nvSpPr>
+        <p:spPr>
+          <a:xfrm>
+            <a:off x="1366520" y="2644140"/>
+            <a:ext cx="6411372" cy="1569660"/>
+          </a:xfrm>
+          <a:prstGeom prst="rect">
+            <a:avLst/>
+          </a:prstGeom>
+          <a:noFill/>
+        </p:spPr>
+        <p:txBody>
+          <a:bodyPr wrap="none" rtlCol="0" anchor="ctr" anchorCtr="1">
+            <a:spAutoFit/>
+          </a:bodyPr>
+          <a:lstStyle>
+            <a:lvl1pPr algn="l">
+              <a:lnSpc>
+                <a:spcPct val="150000"/>
+              </a:lnSpc>
+              <a:spcBef>
+                <a:spcPct val="0"/>
+              </a:spcBef>
+              <a:spcAft>
+                <a:spcPct val="0"/>
+              </a:spcAft>
+              <a:defRPr lang="en-US" sz="3200" b="1" noProof="1">
+                <a:solidFill>
+                  <a:prstClr val="red">
+                    <a:lumOff val="30000"/>
+                    <a:alpha val="40000"/>
+                  </a:prstClr>
+                </a:solidFill>
+                <a:effectLst>
+                  <a:outerShdw blurRad="50800" dist="38100" algn="tr" rotWithShape="0">
+                    <a:prstClr val="black">
+                      <a:alpha val="80000"/>
+                    </a:prstClr>
+                  </a:outerShdw>
+                </a:effectLst>
+                <a:latin typeface="Calibri" pitchFamily="34" charset="0"/>
+              </a:defRPr>
+            </a:lvl1pPr>
+          </a:lstStyle>
+          <a:p>
+            <a:pPr algn="ctr"/>
+            <a:r>
+              <a:t/>
+            </a:r>
+          </a:p>
+          <a:p>
+            <a:pPr algn="ctr"/>
+            <a:r>
+              <a:t/>
+            </a:r>
+          </a:p>
+          <a:p>
+            <a:pPr algn="ctr"/>
+            <a:r>
+              <a:t/>
+            </a:r>
+          </a:p>
+        </p:txBody>
+      </p:sp>
+      <p:sp>
+        <p:nvSpPr>
+          <p:cNvPr id="6" name="TextBox"/>
           <p:cNvSpPr txBox="1">
             <a:spLocks noGrp="1" noSelect="1" noRot="1" noMove="1"/>
           </p:cNvSpPr>
@@ -4188,7 +4670,9 @@
   <p:clrMapOvr>
     <a:masterClrMapping/>
   </p:clrMapOvr>
-  <p:transition/>
+  <p:transition>
+    <p:comb/>
+  </p:transition>
   <p:timing/>
 </p:sld>
 </file>
@@ -4276,7 +4760,7 @@
             </a:r>
           </a:p>
           <a:p>
-            <a:pPr lvl="1">
+            <a:pPr>
               <a:defRPr>
                 <a:solidFill>
                   <a:srgbClr val="FFFFFF"/>
@@ -4288,7 +4772,7 @@
             </a:r>
           </a:p>
           <a:p>
-            <a:pPr lvl="2">
+            <a:pPr>
               <a:defRPr>
                 <a:solidFill>
                   <a:srgbClr val="FFFFFF"/>
@@ -4300,7 +4784,7 @@
             </a:r>
           </a:p>
           <a:p>
-            <a:pPr lvl="3">
+            <a:pPr>
               <a:defRPr>
                 <a:solidFill>
                   <a:srgbClr val="FFFFFF"/>
@@ -4333,6 +4817,77 @@
       <p:sp>
         <p:nvSpPr>
           <p:cNvPr id="5" name="TextBox"/>
+          <p:cNvSpPr txBox="1">
+            <a:spLocks noGrp="1" noSelect="1" noRot="1" noMove="1"/>
+          </p:cNvSpPr>
+          <p:nvPr/>
+        </p:nvSpPr>
+        <p:spPr>
+          <a:xfrm>
+            <a:off x="1366520" y="2644140"/>
+            <a:ext cx="6411372" cy="1569660"/>
+          </a:xfrm>
+          <a:prstGeom prst="rect">
+            <a:avLst/>
+          </a:prstGeom>
+          <a:noFill/>
+        </p:spPr>
+        <p:txBody>
+          <a:bodyPr wrap="none" rtlCol="0" anchor="ctr" anchorCtr="1">
+            <a:spAutoFit/>
+          </a:bodyPr>
+          <a:lstStyle>
+            <a:lvl1pPr algn="l">
+              <a:lnSpc>
+                <a:spcPct val="150000"/>
+              </a:lnSpc>
+              <a:spcBef>
+                <a:spcPct val="0"/>
+              </a:spcBef>
+              <a:spcAft>
+                <a:spcPct val="0"/>
+              </a:spcAft>
+              <a:defRPr lang="en-US" sz="3200" b="1" noProof="1">
+                <a:solidFill>
+                  <a:prstClr val="red">
+                    <a:lumOff val="30000"/>
+                    <a:alpha val="40000"/>
+                  </a:prstClr>
+                </a:solidFill>
+                <a:effectLst>
+                  <a:outerShdw blurRad="50800" dist="38100" algn="tr" rotWithShape="0">
+                    <a:prstClr val="black">
+                      <a:alpha val="80000"/>
+                    </a:prstClr>
+                  </a:outerShdw>
+                </a:effectLst>
+                <a:latin typeface="Calibri" pitchFamily="34" charset="0"/>
+              </a:defRPr>
+            </a:lvl1pPr>
+          </a:lstStyle>
+          <a:p>
+            <a:pPr algn="ctr"/>
+            <a:r>
+              <a:t/>
+            </a:r>
+          </a:p>
+          <a:p>
+            <a:pPr algn="ctr"/>
+            <a:r>
+              <a:t/>
+            </a:r>
+          </a:p>
+          <a:p>
+            <a:pPr algn="ctr"/>
+            <a:r>
+              <a:t/>
+            </a:r>
+          </a:p>
+        </p:txBody>
+      </p:sp>
+      <p:sp>
+        <p:nvSpPr>
+          <p:cNvPr id="6" name="TextBox"/>
           <p:cNvSpPr txBox="1">
             <a:spLocks noGrp="1" noSelect="1" noRot="1" noMove="1"/>
           </p:cNvSpPr>
@@ -4406,7 +4961,9 @@
   <p:clrMapOvr>
     <a:masterClrMapping/>
   </p:clrMapOvr>
-  <p:transition/>
+  <p:transition>
+    <p:comb/>
+  </p:transition>
   <p:timing/>
 </p:sld>
 </file>
@@ -4494,7 +5051,7 @@
             </a:r>
           </a:p>
           <a:p>
-            <a:pPr lvl="1">
+            <a:pPr>
               <a:defRPr>
                 <a:solidFill>
                   <a:srgbClr val="FFFFFF"/>
@@ -4506,7 +5063,7 @@
             </a:r>
           </a:p>
           <a:p>
-            <a:pPr lvl="2">
+            <a:pPr>
               <a:defRPr>
                 <a:solidFill>
                   <a:srgbClr val="FFFFFF"/>
@@ -4518,7 +5075,7 @@
             </a:r>
           </a:p>
           <a:p>
-            <a:pPr lvl="3">
+            <a:pPr>
               <a:defRPr>
                 <a:solidFill>
                   <a:srgbClr val="FFFFFF"/>
@@ -4551,6 +5108,77 @@
       <p:sp>
         <p:nvSpPr>
           <p:cNvPr id="5" name="TextBox"/>
+          <p:cNvSpPr txBox="1">
+            <a:spLocks noGrp="1" noSelect="1" noRot="1" noMove="1"/>
+          </p:cNvSpPr>
+          <p:nvPr/>
+        </p:nvSpPr>
+        <p:spPr>
+          <a:xfrm>
+            <a:off x="1366520" y="2644140"/>
+            <a:ext cx="6411372" cy="1569660"/>
+          </a:xfrm>
+          <a:prstGeom prst="rect">
+            <a:avLst/>
+          </a:prstGeom>
+          <a:noFill/>
+        </p:spPr>
+        <p:txBody>
+          <a:bodyPr wrap="none" rtlCol="0" anchor="ctr" anchorCtr="1">
+            <a:spAutoFit/>
+          </a:bodyPr>
+          <a:lstStyle>
+            <a:lvl1pPr algn="l">
+              <a:lnSpc>
+                <a:spcPct val="150000"/>
+              </a:lnSpc>
+              <a:spcBef>
+                <a:spcPct val="0"/>
+              </a:spcBef>
+              <a:spcAft>
+                <a:spcPct val="0"/>
+              </a:spcAft>
+              <a:defRPr lang="en-US" sz="3200" b="1" noProof="1">
+                <a:solidFill>
+                  <a:prstClr val="red">
+                    <a:lumOff val="30000"/>
+                    <a:alpha val="40000"/>
+                  </a:prstClr>
+                </a:solidFill>
+                <a:effectLst>
+                  <a:outerShdw blurRad="50800" dist="38100" algn="tr" rotWithShape="0">
+                    <a:prstClr val="black">
+                      <a:alpha val="80000"/>
+                    </a:prstClr>
+                  </a:outerShdw>
+                </a:effectLst>
+                <a:latin typeface="Calibri" pitchFamily="34" charset="0"/>
+              </a:defRPr>
+            </a:lvl1pPr>
+          </a:lstStyle>
+          <a:p>
+            <a:pPr algn="ctr"/>
+            <a:r>
+              <a:t/>
+            </a:r>
+          </a:p>
+          <a:p>
+            <a:pPr algn="ctr"/>
+            <a:r>
+              <a:t/>
+            </a:r>
+          </a:p>
+          <a:p>
+            <a:pPr algn="ctr"/>
+            <a:r>
+              <a:t/>
+            </a:r>
+          </a:p>
+        </p:txBody>
+      </p:sp>
+      <p:sp>
+        <p:nvSpPr>
+          <p:cNvPr id="6" name="TextBox"/>
           <p:cNvSpPr txBox="1">
             <a:spLocks noGrp="1" noSelect="1" noRot="1" noMove="1"/>
           </p:cNvSpPr>
@@ -4624,7 +5252,9 @@
   <p:clrMapOvr>
     <a:masterClrMapping/>
   </p:clrMapOvr>
-  <p:transition/>
+  <p:transition>
+    <p:comb/>
+  </p:transition>
   <p:timing/>
 </p:sld>
 </file>
@@ -4712,7 +5342,7 @@
             </a:r>
           </a:p>
           <a:p>
-            <a:pPr lvl="1">
+            <a:pPr>
               <a:defRPr>
                 <a:solidFill>
                   <a:srgbClr val="FFFFFF"/>
@@ -4724,7 +5354,7 @@
             </a:r>
           </a:p>
           <a:p>
-            <a:pPr lvl="2">
+            <a:pPr>
               <a:defRPr>
                 <a:solidFill>
                   <a:srgbClr val="FFFFFF"/>
@@ -4736,7 +5366,7 @@
             </a:r>
           </a:p>
           <a:p>
-            <a:pPr lvl="3">
+            <a:pPr>
               <a:defRPr>
                 <a:solidFill>
                   <a:srgbClr val="FFFFFF"/>
@@ -4769,6 +5399,77 @@
       <p:sp>
         <p:nvSpPr>
           <p:cNvPr id="5" name="TextBox"/>
+          <p:cNvSpPr txBox="1">
+            <a:spLocks noGrp="1" noSelect="1" noRot="1" noMove="1"/>
+          </p:cNvSpPr>
+          <p:nvPr/>
+        </p:nvSpPr>
+        <p:spPr>
+          <a:xfrm>
+            <a:off x="1366520" y="2644140"/>
+            <a:ext cx="6411372" cy="1569660"/>
+          </a:xfrm>
+          <a:prstGeom prst="rect">
+            <a:avLst/>
+          </a:prstGeom>
+          <a:noFill/>
+        </p:spPr>
+        <p:txBody>
+          <a:bodyPr wrap="none" rtlCol="0" anchor="ctr" anchorCtr="1">
+            <a:spAutoFit/>
+          </a:bodyPr>
+          <a:lstStyle>
+            <a:lvl1pPr algn="l">
+              <a:lnSpc>
+                <a:spcPct val="150000"/>
+              </a:lnSpc>
+              <a:spcBef>
+                <a:spcPct val="0"/>
+              </a:spcBef>
+              <a:spcAft>
+                <a:spcPct val="0"/>
+              </a:spcAft>
+              <a:defRPr lang="en-US" sz="3200" b="1" noProof="1">
+                <a:solidFill>
+                  <a:prstClr val="red">
+                    <a:lumOff val="30000"/>
+                    <a:alpha val="40000"/>
+                  </a:prstClr>
+                </a:solidFill>
+                <a:effectLst>
+                  <a:outerShdw blurRad="50800" dist="38100" algn="tr" rotWithShape="0">
+                    <a:prstClr val="black">
+                      <a:alpha val="80000"/>
+                    </a:prstClr>
+                  </a:outerShdw>
+                </a:effectLst>
+                <a:latin typeface="Calibri" pitchFamily="34" charset="0"/>
+              </a:defRPr>
+            </a:lvl1pPr>
+          </a:lstStyle>
+          <a:p>
+            <a:pPr algn="ctr"/>
+            <a:r>
+              <a:t/>
+            </a:r>
+          </a:p>
+          <a:p>
+            <a:pPr algn="ctr"/>
+            <a:r>
+              <a:t/>
+            </a:r>
+          </a:p>
+          <a:p>
+            <a:pPr algn="ctr"/>
+            <a:r>
+              <a:t/>
+            </a:r>
+          </a:p>
+        </p:txBody>
+      </p:sp>
+      <p:sp>
+        <p:nvSpPr>
+          <p:cNvPr id="6" name="TextBox"/>
           <p:cNvSpPr txBox="1">
             <a:spLocks noGrp="1" noSelect="1" noRot="1" noMove="1"/>
           </p:cNvSpPr>
@@ -4842,7 +5543,9 @@
   <p:clrMapOvr>
     <a:masterClrMapping/>
   </p:clrMapOvr>
-  <p:transition/>
+  <p:transition>
+    <p:comb/>
+  </p:transition>
   <p:timing/>
 </p:sld>
 </file>
@@ -4930,7 +5633,7 @@
             </a:r>
           </a:p>
           <a:p>
-            <a:pPr lvl="1">
+            <a:pPr>
               <a:defRPr>
                 <a:solidFill>
                   <a:srgbClr val="FFFFFF"/>
@@ -4942,7 +5645,7 @@
             </a:r>
           </a:p>
           <a:p>
-            <a:pPr lvl="2">
+            <a:pPr>
               <a:defRPr>
                 <a:solidFill>
                   <a:srgbClr val="FFFFFF"/>
@@ -4954,7 +5657,7 @@
             </a:r>
           </a:p>
           <a:p>
-            <a:pPr lvl="3">
+            <a:pPr>
               <a:defRPr>
                 <a:solidFill>
                   <a:srgbClr val="FFFFFF"/>
@@ -4987,6 +5690,77 @@
       <p:sp>
         <p:nvSpPr>
           <p:cNvPr id="5" name="TextBox"/>
+          <p:cNvSpPr txBox="1">
+            <a:spLocks noGrp="1" noSelect="1" noRot="1" noMove="1"/>
+          </p:cNvSpPr>
+          <p:nvPr/>
+        </p:nvSpPr>
+        <p:spPr>
+          <a:xfrm>
+            <a:off x="1366520" y="2644140"/>
+            <a:ext cx="6411372" cy="1569660"/>
+          </a:xfrm>
+          <a:prstGeom prst="rect">
+            <a:avLst/>
+          </a:prstGeom>
+          <a:noFill/>
+        </p:spPr>
+        <p:txBody>
+          <a:bodyPr wrap="none" rtlCol="0" anchor="ctr" anchorCtr="1">
+            <a:spAutoFit/>
+          </a:bodyPr>
+          <a:lstStyle>
+            <a:lvl1pPr algn="l">
+              <a:lnSpc>
+                <a:spcPct val="150000"/>
+              </a:lnSpc>
+              <a:spcBef>
+                <a:spcPct val="0"/>
+              </a:spcBef>
+              <a:spcAft>
+                <a:spcPct val="0"/>
+              </a:spcAft>
+              <a:defRPr lang="en-US" sz="3200" b="1" noProof="1">
+                <a:solidFill>
+                  <a:prstClr val="red">
+                    <a:lumOff val="30000"/>
+                    <a:alpha val="40000"/>
+                  </a:prstClr>
+                </a:solidFill>
+                <a:effectLst>
+                  <a:outerShdw blurRad="50800" dist="38100" algn="tr" rotWithShape="0">
+                    <a:prstClr val="black">
+                      <a:alpha val="80000"/>
+                    </a:prstClr>
+                  </a:outerShdw>
+                </a:effectLst>
+                <a:latin typeface="Calibri" pitchFamily="34" charset="0"/>
+              </a:defRPr>
+            </a:lvl1pPr>
+          </a:lstStyle>
+          <a:p>
+            <a:pPr algn="ctr"/>
+            <a:r>
+              <a:t/>
+            </a:r>
+          </a:p>
+          <a:p>
+            <a:pPr algn="ctr"/>
+            <a:r>
+              <a:t/>
+            </a:r>
+          </a:p>
+          <a:p>
+            <a:pPr algn="ctr"/>
+            <a:r>
+              <a:t/>
+            </a:r>
+          </a:p>
+        </p:txBody>
+      </p:sp>
+      <p:sp>
+        <p:nvSpPr>
+          <p:cNvPr id="6" name="TextBox"/>
           <p:cNvSpPr txBox="1">
             <a:spLocks noGrp="1" noSelect="1" noRot="1" noMove="1"/>
           </p:cNvSpPr>
@@ -5060,7 +5834,9 @@
   <p:clrMapOvr>
     <a:masterClrMapping/>
   </p:clrMapOvr>
-  <p:transition/>
+  <p:transition>
+    <p:comb/>
+  </p:transition>
   <p:timing/>
 </p:sld>
 </file>
@@ -5148,7 +5924,7 @@
             </a:r>
           </a:p>
           <a:p>
-            <a:pPr lvl="1">
+            <a:pPr>
               <a:defRPr>
                 <a:solidFill>
                   <a:srgbClr val="FFFFFF"/>
@@ -5160,7 +5936,7 @@
             </a:r>
           </a:p>
           <a:p>
-            <a:pPr lvl="2">
+            <a:pPr>
               <a:defRPr>
                 <a:solidFill>
                   <a:srgbClr val="FFFFFF"/>
@@ -5172,7 +5948,7 @@
             </a:r>
           </a:p>
           <a:p>
-            <a:pPr lvl="3">
+            <a:pPr>
               <a:defRPr>
                 <a:solidFill>
                   <a:srgbClr val="FFFFFF"/>
@@ -5205,6 +5981,77 @@
       <p:sp>
         <p:nvSpPr>
           <p:cNvPr id="5" name="TextBox"/>
+          <p:cNvSpPr txBox="1">
+            <a:spLocks noGrp="1" noSelect="1" noRot="1" noMove="1"/>
+          </p:cNvSpPr>
+          <p:nvPr/>
+        </p:nvSpPr>
+        <p:spPr>
+          <a:xfrm>
+            <a:off x="1366520" y="2644140"/>
+            <a:ext cx="6411372" cy="1569660"/>
+          </a:xfrm>
+          <a:prstGeom prst="rect">
+            <a:avLst/>
+          </a:prstGeom>
+          <a:noFill/>
+        </p:spPr>
+        <p:txBody>
+          <a:bodyPr wrap="none" rtlCol="0" anchor="ctr" anchorCtr="1">
+            <a:spAutoFit/>
+          </a:bodyPr>
+          <a:lstStyle>
+            <a:lvl1pPr algn="l">
+              <a:lnSpc>
+                <a:spcPct val="150000"/>
+              </a:lnSpc>
+              <a:spcBef>
+                <a:spcPct val="0"/>
+              </a:spcBef>
+              <a:spcAft>
+                <a:spcPct val="0"/>
+              </a:spcAft>
+              <a:defRPr lang="en-US" sz="3200" b="1" noProof="1">
+                <a:solidFill>
+                  <a:prstClr val="red">
+                    <a:lumOff val="30000"/>
+                    <a:alpha val="40000"/>
+                  </a:prstClr>
+                </a:solidFill>
+                <a:effectLst>
+                  <a:outerShdw blurRad="50800" dist="38100" algn="tr" rotWithShape="0">
+                    <a:prstClr val="black">
+                      <a:alpha val="80000"/>
+                    </a:prstClr>
+                  </a:outerShdw>
+                </a:effectLst>
+                <a:latin typeface="Calibri" pitchFamily="34" charset="0"/>
+              </a:defRPr>
+            </a:lvl1pPr>
+          </a:lstStyle>
+          <a:p>
+            <a:pPr algn="ctr"/>
+            <a:r>
+              <a:t/>
+            </a:r>
+          </a:p>
+          <a:p>
+            <a:pPr algn="ctr"/>
+            <a:r>
+              <a:t/>
+            </a:r>
+          </a:p>
+          <a:p>
+            <a:pPr algn="ctr"/>
+            <a:r>
+              <a:t/>
+            </a:r>
+          </a:p>
+        </p:txBody>
+      </p:sp>
+      <p:sp>
+        <p:nvSpPr>
+          <p:cNvPr id="6" name="TextBox"/>
           <p:cNvSpPr txBox="1">
             <a:spLocks noGrp="1" noSelect="1" noRot="1" noMove="1"/>
           </p:cNvSpPr>
@@ -5278,7 +6125,9 @@
   <p:clrMapOvr>
     <a:masterClrMapping/>
   </p:clrMapOvr>
-  <p:transition/>
+  <p:transition>
+    <p:comb/>
+  </p:transition>
   <p:timing/>
 </p:sld>
 </file>
